--- a/Presentation_CAHD.pptx
+++ b/Presentation_CAHD.pptx
@@ -16462,6 +16462,42 @@
           </a:prstGeom>
         </p:spPr>
       </p:pic>
+      <p:sp>
+        <p:nvSpPr>
+          <p:cNvPr id="4" name="CasellaDiTesto 3">
+            <a:extLst>
+              <a:ext uri="{FF2B5EF4-FFF2-40B4-BE49-F238E27FC236}">
+                <a16:creationId xmlns:a16="http://schemas.microsoft.com/office/drawing/2014/main" id="{0015BF3E-B6CE-4F6E-ABC9-DB5297C5EECC}"/>
+              </a:ext>
+            </a:extLst>
+          </p:cNvPr>
+          <p:cNvSpPr txBox="1"/>
+          <p:nvPr/>
+        </p:nvSpPr>
+        <p:spPr>
+          <a:xfrm>
+            <a:off x="5245597" y="6522456"/>
+            <a:ext cx="1693092" cy="307777"/>
+          </a:xfrm>
+          <a:prstGeom prst="rect">
+            <a:avLst/>
+          </a:prstGeom>
+          <a:noFill/>
+        </p:spPr>
+        <p:txBody>
+          <a:bodyPr wrap="none" rtlCol="0">
+            <a:spAutoFit/>
+          </a:bodyPr>
+          <a:lstStyle/>
+          <a:p>
+            <a:r>
+              <a:rPr lang="it-IT" sz="1400" dirty="0"/>
+              <a:t>BMS1-10-8-7-7-471</a:t>
+            </a:r>
+            <a:endParaRPr lang="en-US" sz="1400" dirty="0"/>
+          </a:p>
+        </p:txBody>
+      </p:sp>
     </p:spTree>
     <p:extLst>
       <p:ext uri="{BB962C8B-B14F-4D97-AF65-F5344CB8AC3E}">
@@ -17014,6 +17050,42 @@
           </a:prstGeom>
         </p:spPr>
       </p:pic>
+      <p:sp>
+        <p:nvSpPr>
+          <p:cNvPr id="7" name="CasellaDiTesto 6">
+            <a:extLst>
+              <a:ext uri="{FF2B5EF4-FFF2-40B4-BE49-F238E27FC236}">
+                <a16:creationId xmlns:a16="http://schemas.microsoft.com/office/drawing/2014/main" id="{8ACDB014-D34E-4206-A89B-9C2FCDCC820D}"/>
+              </a:ext>
+            </a:extLst>
+          </p:cNvPr>
+          <p:cNvSpPr txBox="1"/>
+          <p:nvPr/>
+        </p:nvSpPr>
+        <p:spPr>
+          <a:xfrm>
+            <a:off x="5245597" y="6522456"/>
+            <a:ext cx="1693092" cy="307777"/>
+          </a:xfrm>
+          <a:prstGeom prst="rect">
+            <a:avLst/>
+          </a:prstGeom>
+          <a:noFill/>
+        </p:spPr>
+        <p:txBody>
+          <a:bodyPr wrap="none" rtlCol="0">
+            <a:spAutoFit/>
+          </a:bodyPr>
+          <a:lstStyle/>
+          <a:p>
+            <a:r>
+              <a:rPr lang="it-IT" sz="1400" dirty="0"/>
+              <a:t>BMS1-10-8-7-7-471</a:t>
+            </a:r>
+            <a:endParaRPr lang="en-US" sz="1400" dirty="0"/>
+          </a:p>
+        </p:txBody>
+      </p:sp>
     </p:spTree>
     <p:extLst>
       <p:ext uri="{BB962C8B-B14F-4D97-AF65-F5344CB8AC3E}">
@@ -20531,36 +20603,6 @@
       </p:pic>
       <p:pic>
         <p:nvPicPr>
-          <p:cNvPr id="6" name="Immagine 5" descr="Immagine che contiene screenshot&#10;&#10;Descrizione generata automaticamente">
-            <a:extLst>
-              <a:ext uri="{FF2B5EF4-FFF2-40B4-BE49-F238E27FC236}">
-                <a16:creationId xmlns:a16="http://schemas.microsoft.com/office/drawing/2014/main" id="{AFAE7E72-8933-40CB-BACE-5DC9AC9B99E9}"/>
-              </a:ext>
-            </a:extLst>
-          </p:cNvPr>
-          <p:cNvPicPr>
-            <a:picLocks noChangeAspect="1"/>
-          </p:cNvPicPr>
-          <p:nvPr/>
-        </p:nvPicPr>
-        <p:blipFill>
-          <a:blip r:embed="rId11"/>
-          <a:stretch>
-            <a:fillRect/>
-          </a:stretch>
-        </p:blipFill>
-        <p:spPr>
-          <a:xfrm>
-            <a:off x="3477376" y="5257723"/>
-            <a:ext cx="2264183" cy="1486405"/>
-          </a:xfrm>
-          <a:prstGeom prst="rect">
-            <a:avLst/>
-          </a:prstGeom>
-        </p:spPr>
-      </p:pic>
-      <p:pic>
-        <p:nvPicPr>
           <p:cNvPr id="12" name="Immagine 11">
             <a:extLst>
               <a:ext uri="{FF2B5EF4-FFF2-40B4-BE49-F238E27FC236}">
@@ -20574,7 +20616,7 @@
           <p:nvPr/>
         </p:nvPicPr>
         <p:blipFill>
-          <a:blip r:embed="rId12"/>
+          <a:blip r:embed="rId11"/>
           <a:stretch>
             <a:fillRect/>
           </a:stretch>
@@ -20604,7 +20646,7 @@
           <p:nvPr/>
         </p:nvPicPr>
         <p:blipFill>
-          <a:blip r:embed="rId13"/>
+          <a:blip r:embed="rId12"/>
           <a:stretch>
             <a:fillRect/>
           </a:stretch>
@@ -20613,6 +20655,36 @@
           <a:xfrm>
             <a:off x="6531892" y="5258954"/>
             <a:ext cx="2264183" cy="1485173"/>
+          </a:xfrm>
+          <a:prstGeom prst="rect">
+            <a:avLst/>
+          </a:prstGeom>
+        </p:spPr>
+      </p:pic>
+      <p:pic>
+        <p:nvPicPr>
+          <p:cNvPr id="24" name="Immagine 23" descr="Immagine che contiene screenshot&#10;&#10;Descrizione generata automaticamente">
+            <a:extLst>
+              <a:ext uri="{FF2B5EF4-FFF2-40B4-BE49-F238E27FC236}">
+                <a16:creationId xmlns:a16="http://schemas.microsoft.com/office/drawing/2014/main" id="{E85F0997-BF63-416F-8F90-CE2772619583}"/>
+              </a:ext>
+            </a:extLst>
+          </p:cNvPr>
+          <p:cNvPicPr>
+            <a:picLocks noChangeAspect="1"/>
+          </p:cNvPicPr>
+          <p:nvPr/>
+        </p:nvPicPr>
+        <p:blipFill>
+          <a:blip r:embed="rId13"/>
+          <a:stretch>
+            <a:fillRect/>
+          </a:stretch>
+        </p:blipFill>
+        <p:spPr>
+          <a:xfrm>
+            <a:off x="3477375" y="5257723"/>
+            <a:ext cx="2264182" cy="1486404"/>
           </a:xfrm>
           <a:prstGeom prst="rect">
             <a:avLst/>
